--- a/CRM_Era_1999_2015_Sumit_Updated.pptx
+++ b/CRM_Era_1999_2015_Sumit_Updated.pptx
@@ -5,16 +5,16 @@
     <p:sldMasterId id="2147483648" r:id="rId1"/>
   </p:sldMasterIdLst>
   <p:sldIdLst>
-    <p:sldId id="256" r:id="rId2"/>
-    <p:sldId id="265" r:id="rId3"/>
-    <p:sldId id="257" r:id="rId4"/>
-    <p:sldId id="258" r:id="rId5"/>
-    <p:sldId id="259" r:id="rId6"/>
-    <p:sldId id="260" r:id="rId7"/>
-    <p:sldId id="261" r:id="rId8"/>
-    <p:sldId id="262" r:id="rId9"/>
-    <p:sldId id="263" r:id="rId10"/>
-    <p:sldId id="264" r:id="rId11"/>
+    <p:sldId id="256" r:id="rId7"/>
+    <p:sldId id="257" r:id="rId8"/>
+    <p:sldId id="258" r:id="rId9"/>
+    <p:sldId id="259" r:id="rId10"/>
+    <p:sldId id="260" r:id="rId11"/>
+    <p:sldId id="261" r:id="rId12"/>
+    <p:sldId id="262" r:id="rId13"/>
+    <p:sldId id="263" r:id="rId14"/>
+    <p:sldId id="264" r:id="rId15"/>
+    <p:sldId id="265" r:id="rId16"/>
   </p:sldIdLst>
   <p:sldSz cx="9144000" cy="6858000" type="screen4x3"/>
   <p:notesSz cx="6858000" cy="9144000"/>
@@ -297,8 +297,7 @@
           <a:p>
             <a:fld id="{5BCAD085-E8A6-8845-BD4E-CB4CCA059FC4}" type="datetimeFigureOut">
               <a:rPr lang="en-US" smtClean="0"/>
-              <a:pPr/>
-              <a:t>10/23/2025</a:t>
+              <a:t>1/27/13</a:t>
             </a:fld>
             <a:endParaRPr lang="en-US"/>
           </a:p>
@@ -340,7 +339,6 @@
           <a:p>
             <a:fld id="{C1FF6DA9-008F-8B48-92A6-B652298478BF}" type="slidenum">
               <a:rPr lang="en-US" smtClean="0"/>
-              <a:pPr/>
               <a:t>‹#›</a:t>
             </a:fld>
             <a:endParaRPr lang="en-US"/>
@@ -350,7 +348,7 @@
     </p:spTree>
     <p:extLst>
       <p:ext uri="{BB962C8B-B14F-4D97-AF65-F5344CB8AC3E}">
-        <p14:creationId xmlns:p14="http://schemas.microsoft.com/office/powerpoint/2010/main" xmlns="" val="3168075583"/>
+        <p14:creationId xmlns:p14="http://schemas.microsoft.com/office/powerpoint/2010/main" val="3168075583"/>
       </p:ext>
     </p:extLst>
   </p:cSld>
@@ -469,8 +467,7 @@
           <a:p>
             <a:fld id="{5BCAD085-E8A6-8845-BD4E-CB4CCA059FC4}" type="datetimeFigureOut">
               <a:rPr lang="en-US" smtClean="0"/>
-              <a:pPr/>
-              <a:t>10/23/2025</a:t>
+              <a:t>1/27/13</a:t>
             </a:fld>
             <a:endParaRPr lang="en-US"/>
           </a:p>
@@ -512,7 +509,6 @@
           <a:p>
             <a:fld id="{C1FF6DA9-008F-8B48-92A6-B652298478BF}" type="slidenum">
               <a:rPr lang="en-US" smtClean="0"/>
-              <a:pPr/>
               <a:t>‹#›</a:t>
             </a:fld>
             <a:endParaRPr lang="en-US"/>
@@ -522,7 +518,7 @@
     </p:spTree>
     <p:extLst>
       <p:ext uri="{BB962C8B-B14F-4D97-AF65-F5344CB8AC3E}">
-        <p14:creationId xmlns:p14="http://schemas.microsoft.com/office/powerpoint/2010/main" xmlns="" val="2910927964"/>
+        <p14:creationId xmlns:p14="http://schemas.microsoft.com/office/powerpoint/2010/main" val="2910927964"/>
       </p:ext>
     </p:extLst>
   </p:cSld>
@@ -651,8 +647,7 @@
           <a:p>
             <a:fld id="{5BCAD085-E8A6-8845-BD4E-CB4CCA059FC4}" type="datetimeFigureOut">
               <a:rPr lang="en-US" smtClean="0"/>
-              <a:pPr/>
-              <a:t>10/23/2025</a:t>
+              <a:t>1/27/13</a:t>
             </a:fld>
             <a:endParaRPr lang="en-US"/>
           </a:p>
@@ -694,7 +689,6 @@
           <a:p>
             <a:fld id="{C1FF6DA9-008F-8B48-92A6-B652298478BF}" type="slidenum">
               <a:rPr lang="en-US" smtClean="0"/>
-              <a:pPr/>
               <a:t>‹#›</a:t>
             </a:fld>
             <a:endParaRPr lang="en-US"/>
@@ -704,7 +698,7 @@
     </p:spTree>
     <p:extLst>
       <p:ext uri="{BB962C8B-B14F-4D97-AF65-F5344CB8AC3E}">
-        <p14:creationId xmlns:p14="http://schemas.microsoft.com/office/powerpoint/2010/main" xmlns="" val="3612223792"/>
+        <p14:creationId xmlns:p14="http://schemas.microsoft.com/office/powerpoint/2010/main" val="3612223792"/>
       </p:ext>
     </p:extLst>
   </p:cSld>
@@ -823,8 +817,7 @@
           <a:p>
             <a:fld id="{5BCAD085-E8A6-8845-BD4E-CB4CCA059FC4}" type="datetimeFigureOut">
               <a:rPr lang="en-US" smtClean="0"/>
-              <a:pPr/>
-              <a:t>10/23/2025</a:t>
+              <a:t>1/27/13</a:t>
             </a:fld>
             <a:endParaRPr lang="en-US"/>
           </a:p>
@@ -866,7 +859,6 @@
           <a:p>
             <a:fld id="{C1FF6DA9-008F-8B48-92A6-B652298478BF}" type="slidenum">
               <a:rPr lang="en-US" smtClean="0"/>
-              <a:pPr/>
               <a:t>‹#›</a:t>
             </a:fld>
             <a:endParaRPr lang="en-US"/>
@@ -876,7 +868,7 @@
     </p:spTree>
     <p:extLst>
       <p:ext uri="{BB962C8B-B14F-4D97-AF65-F5344CB8AC3E}">
-        <p14:creationId xmlns:p14="http://schemas.microsoft.com/office/powerpoint/2010/main" xmlns="" val="2614314258"/>
+        <p14:creationId xmlns:p14="http://schemas.microsoft.com/office/powerpoint/2010/main" val="2614314258"/>
       </p:ext>
     </p:extLst>
   </p:cSld>
@@ -1071,8 +1063,7 @@
           <a:p>
             <a:fld id="{5BCAD085-E8A6-8845-BD4E-CB4CCA059FC4}" type="datetimeFigureOut">
               <a:rPr lang="en-US" smtClean="0"/>
-              <a:pPr/>
-              <a:t>10/23/2025</a:t>
+              <a:t>1/27/13</a:t>
             </a:fld>
             <a:endParaRPr lang="en-US"/>
           </a:p>
@@ -1114,7 +1105,6 @@
           <a:p>
             <a:fld id="{C1FF6DA9-008F-8B48-92A6-B652298478BF}" type="slidenum">
               <a:rPr lang="en-US" smtClean="0"/>
-              <a:pPr/>
               <a:t>‹#›</a:t>
             </a:fld>
             <a:endParaRPr lang="en-US"/>
@@ -1124,7 +1114,7 @@
     </p:spTree>
     <p:extLst>
       <p:ext uri="{BB962C8B-B14F-4D97-AF65-F5344CB8AC3E}">
-        <p14:creationId xmlns:p14="http://schemas.microsoft.com/office/powerpoint/2010/main" xmlns="" val="960648375"/>
+        <p14:creationId xmlns:p14="http://schemas.microsoft.com/office/powerpoint/2010/main" val="960648375"/>
       </p:ext>
     </p:extLst>
   </p:cSld>
@@ -1361,8 +1351,7 @@
           <a:p>
             <a:fld id="{5BCAD085-E8A6-8845-BD4E-CB4CCA059FC4}" type="datetimeFigureOut">
               <a:rPr lang="en-US" smtClean="0"/>
-              <a:pPr/>
-              <a:t>10/23/2025</a:t>
+              <a:t>1/27/13</a:t>
             </a:fld>
             <a:endParaRPr lang="en-US"/>
           </a:p>
@@ -1404,7 +1393,6 @@
           <a:p>
             <a:fld id="{C1FF6DA9-008F-8B48-92A6-B652298478BF}" type="slidenum">
               <a:rPr lang="en-US" smtClean="0"/>
-              <a:pPr/>
               <a:t>‹#›</a:t>
             </a:fld>
             <a:endParaRPr lang="en-US"/>
@@ -1414,7 +1402,7 @@
     </p:spTree>
     <p:extLst>
       <p:ext uri="{BB962C8B-B14F-4D97-AF65-F5344CB8AC3E}">
-        <p14:creationId xmlns:p14="http://schemas.microsoft.com/office/powerpoint/2010/main" xmlns="" val="2782244947"/>
+        <p14:creationId xmlns:p14="http://schemas.microsoft.com/office/powerpoint/2010/main" val="2782244947"/>
       </p:ext>
     </p:extLst>
   </p:cSld>
@@ -1785,8 +1773,7 @@
           <a:p>
             <a:fld id="{5BCAD085-E8A6-8845-BD4E-CB4CCA059FC4}" type="datetimeFigureOut">
               <a:rPr lang="en-US" smtClean="0"/>
-              <a:pPr/>
-              <a:t>10/23/2025</a:t>
+              <a:t>1/27/13</a:t>
             </a:fld>
             <a:endParaRPr lang="en-US"/>
           </a:p>
@@ -1828,7 +1815,6 @@
           <a:p>
             <a:fld id="{C1FF6DA9-008F-8B48-92A6-B652298478BF}" type="slidenum">
               <a:rPr lang="en-US" smtClean="0"/>
-              <a:pPr/>
               <a:t>‹#›</a:t>
             </a:fld>
             <a:endParaRPr lang="en-US"/>
@@ -1838,7 +1824,7 @@
     </p:spTree>
     <p:extLst>
       <p:ext uri="{BB962C8B-B14F-4D97-AF65-F5344CB8AC3E}">
-        <p14:creationId xmlns:p14="http://schemas.microsoft.com/office/powerpoint/2010/main" xmlns="" val="990158736"/>
+        <p14:creationId xmlns:p14="http://schemas.microsoft.com/office/powerpoint/2010/main" val="990158736"/>
       </p:ext>
     </p:extLst>
   </p:cSld>
@@ -1905,8 +1891,7 @@
           <a:p>
             <a:fld id="{5BCAD085-E8A6-8845-BD4E-CB4CCA059FC4}" type="datetimeFigureOut">
               <a:rPr lang="en-US" smtClean="0"/>
-              <a:pPr/>
-              <a:t>10/23/2025</a:t>
+              <a:t>1/27/13</a:t>
             </a:fld>
             <a:endParaRPr lang="en-US"/>
           </a:p>
@@ -1948,7 +1933,6 @@
           <a:p>
             <a:fld id="{C1FF6DA9-008F-8B48-92A6-B652298478BF}" type="slidenum">
               <a:rPr lang="en-US" smtClean="0"/>
-              <a:pPr/>
               <a:t>‹#›</a:t>
             </a:fld>
             <a:endParaRPr lang="en-US"/>
@@ -1958,7 +1942,7 @@
     </p:spTree>
     <p:extLst>
       <p:ext uri="{BB962C8B-B14F-4D97-AF65-F5344CB8AC3E}">
-        <p14:creationId xmlns:p14="http://schemas.microsoft.com/office/powerpoint/2010/main" xmlns="" val="727027711"/>
+        <p14:creationId xmlns:p14="http://schemas.microsoft.com/office/powerpoint/2010/main" val="727027711"/>
       </p:ext>
     </p:extLst>
   </p:cSld>
@@ -2002,8 +1986,7 @@
           <a:p>
             <a:fld id="{5BCAD085-E8A6-8845-BD4E-CB4CCA059FC4}" type="datetimeFigureOut">
               <a:rPr lang="en-US" smtClean="0"/>
-              <a:pPr/>
-              <a:t>10/23/2025</a:t>
+              <a:t>1/27/13</a:t>
             </a:fld>
             <a:endParaRPr lang="en-US"/>
           </a:p>
@@ -2045,7 +2028,6 @@
           <a:p>
             <a:fld id="{C1FF6DA9-008F-8B48-92A6-B652298478BF}" type="slidenum">
               <a:rPr lang="en-US" smtClean="0"/>
-              <a:pPr/>
               <a:t>‹#›</a:t>
             </a:fld>
             <a:endParaRPr lang="en-US"/>
@@ -2055,7 +2037,7 @@
     </p:spTree>
     <p:extLst>
       <p:ext uri="{BB962C8B-B14F-4D97-AF65-F5344CB8AC3E}">
-        <p14:creationId xmlns:p14="http://schemas.microsoft.com/office/powerpoint/2010/main" xmlns="" val="1212999818"/>
+        <p14:creationId xmlns:p14="http://schemas.microsoft.com/office/powerpoint/2010/main" val="1212999818"/>
       </p:ext>
     </p:extLst>
   </p:cSld>
@@ -2281,8 +2263,7 @@
           <a:p>
             <a:fld id="{5BCAD085-E8A6-8845-BD4E-CB4CCA059FC4}" type="datetimeFigureOut">
               <a:rPr lang="en-US" smtClean="0"/>
-              <a:pPr/>
-              <a:t>10/23/2025</a:t>
+              <a:t>1/27/13</a:t>
             </a:fld>
             <a:endParaRPr lang="en-US"/>
           </a:p>
@@ -2324,7 +2305,6 @@
           <a:p>
             <a:fld id="{C1FF6DA9-008F-8B48-92A6-B652298478BF}" type="slidenum">
               <a:rPr lang="en-US" smtClean="0"/>
-              <a:pPr/>
               <a:t>‹#›</a:t>
             </a:fld>
             <a:endParaRPr lang="en-US"/>
@@ -2334,7 +2314,7 @@
     </p:spTree>
     <p:extLst>
       <p:ext uri="{BB962C8B-B14F-4D97-AF65-F5344CB8AC3E}">
-        <p14:creationId xmlns:p14="http://schemas.microsoft.com/office/powerpoint/2010/main" xmlns="" val="1840726560"/>
+        <p14:creationId xmlns:p14="http://schemas.microsoft.com/office/powerpoint/2010/main" val="1840726560"/>
       </p:ext>
     </p:extLst>
   </p:cSld>
@@ -2536,8 +2516,7 @@
           <a:p>
             <a:fld id="{5BCAD085-E8A6-8845-BD4E-CB4CCA059FC4}" type="datetimeFigureOut">
               <a:rPr lang="en-US" smtClean="0"/>
-              <a:pPr/>
-              <a:t>10/23/2025</a:t>
+              <a:t>1/27/13</a:t>
             </a:fld>
             <a:endParaRPr lang="en-US"/>
           </a:p>
@@ -2579,7 +2558,6 @@
           <a:p>
             <a:fld id="{C1FF6DA9-008F-8B48-92A6-B652298478BF}" type="slidenum">
               <a:rPr lang="en-US" smtClean="0"/>
-              <a:pPr/>
               <a:t>‹#›</a:t>
             </a:fld>
             <a:endParaRPr lang="en-US"/>
@@ -2589,7 +2567,7 @@
     </p:spTree>
     <p:extLst>
       <p:ext uri="{BB962C8B-B14F-4D97-AF65-F5344CB8AC3E}">
-        <p14:creationId xmlns:p14="http://schemas.microsoft.com/office/powerpoint/2010/main" xmlns="" val="3889236939"/>
+        <p14:creationId xmlns:p14="http://schemas.microsoft.com/office/powerpoint/2010/main" val="3889236939"/>
       </p:ext>
     </p:extLst>
   </p:cSld>
@@ -2751,8 +2729,7 @@
           <a:p>
             <a:fld id="{5BCAD085-E8A6-8845-BD4E-CB4CCA059FC4}" type="datetimeFigureOut">
               <a:rPr lang="en-US" smtClean="0"/>
-              <a:pPr/>
-              <a:t>10/23/2025</a:t>
+              <a:t>1/27/13</a:t>
             </a:fld>
             <a:endParaRPr lang="en-US"/>
           </a:p>
@@ -2830,7 +2807,6 @@
           <a:p>
             <a:fld id="{C1FF6DA9-008F-8B48-92A6-B652298478BF}" type="slidenum">
               <a:rPr lang="en-US" smtClean="0"/>
-              <a:pPr/>
               <a:t>‹#›</a:t>
             </a:fld>
             <a:endParaRPr lang="en-US"/>
@@ -2840,7 +2816,7 @@
     </p:spTree>
     <p:extLst>
       <p:ext uri="{BB962C8B-B14F-4D97-AF65-F5344CB8AC3E}">
-        <p14:creationId xmlns:p14="http://schemas.microsoft.com/office/powerpoint/2010/main" xmlns="" val="2209977519"/>
+        <p14:creationId xmlns:p14="http://schemas.microsoft.com/office/powerpoint/2010/main" val="2209977519"/>
       </p:ext>
     </p:extLst>
   </p:cSld>
@@ -3112,7 +3088,7 @@
 </file>
 
 <file path=ppt/slides/slide1.xml><?xml version="1.0" encoding="utf-8"?>
-<p:sld xmlns:a="http://schemas.openxmlformats.org/drawingml/2006/main" xmlns:r="http://schemas.openxmlformats.org/officeDocument/2006/relationships" xmlns:p="http://schemas.openxmlformats.org/presentationml/2006/main">
+<p:sld xmlns:a="http://schemas.openxmlformats.org/drawingml/2006/main" xmlns:p="http://schemas.openxmlformats.org/presentationml/2006/main" xmlns:r="http://schemas.openxmlformats.org/officeDocument/2006/relationships">
   <p:cSld>
     <p:spTree>
       <p:nvGrpSpPr>
@@ -3120,14 +3096,7 @@
         <p:cNvGrpSpPr/>
         <p:nvPr/>
       </p:nvGrpSpPr>
-      <p:grpSpPr>
-        <a:xfrm>
-          <a:off x="0" y="0"/>
-          <a:ext cx="0" cy="0"/>
-          <a:chOff x="0" y="0"/>
-          <a:chExt cx="0" cy="0"/>
-        </a:xfrm>
-      </p:grpSpPr>
+      <p:grpSpPr/>
       <p:sp>
         <p:nvSpPr>
           <p:cNvPr id="2" name="Title 1"/>
@@ -3161,13 +3130,9 @@
         </p:nvSpPr>
         <p:spPr/>
         <p:txBody>
-          <a:bodyPr>
-            <a:normAutofit lnSpcReduction="10000"/>
-          </a:bodyPr>
-          <a:lstStyle/>
-          <a:p>
-            <a:endParaRPr/>
-          </a:p>
+          <a:bodyPr/>
+          <a:lstStyle/>
+          <a:p/>
           <a:p>
             <a:r>
               <a:t>Salesforce is a cloud-based CRM company, founded in 1999 in San Francisco, USA.</a:t>
@@ -3199,7 +3164,7 @@
 </file>
 
 <file path=ppt/slides/slide10.xml><?xml version="1.0" encoding="utf-8"?>
-<p:sld xmlns:a="http://schemas.openxmlformats.org/drawingml/2006/main" xmlns:r="http://schemas.openxmlformats.org/officeDocument/2006/relationships" xmlns:p="http://schemas.openxmlformats.org/presentationml/2006/main">
+<p:sld xmlns:a="http://schemas.openxmlformats.org/drawingml/2006/main" xmlns:p="http://schemas.openxmlformats.org/presentationml/2006/main" xmlns:r="http://schemas.openxmlformats.org/officeDocument/2006/relationships">
   <p:cSld>
     <p:spTree>
       <p:nvGrpSpPr>
@@ -3207,14 +3172,7 @@
         <p:cNvGrpSpPr/>
         <p:nvPr/>
       </p:nvGrpSpPr>
-      <p:grpSpPr>
-        <a:xfrm>
-          <a:off x="0" y="0"/>
-          <a:ext cx="0" cy="0"/>
-          <a:chOff x="0" y="0"/>
-          <a:chExt cx="0" cy="0"/>
-        </a:xfrm>
-      </p:grpSpPr>
+      <p:grpSpPr/>
       <p:sp>
         <p:nvSpPr>
           <p:cNvPr id="2" name="Title 1"/>
@@ -3231,7 +3189,7 @@
           <a:lstStyle/>
           <a:p>
             <a:r>
-              <a:t>Summary of the CRM Era</a:t>
+              <a:t>Founders of Salesforce and the Beginning of Cloud CRM</a:t>
             </a:r>
           </a:p>
         </p:txBody>
@@ -3251,26 +3209,32 @@
           <a:bodyPr/>
           <a:lstStyle/>
           <a:p>
-            <a:endParaRPr/>
-          </a:p>
-          <a:p>
-            <a:r>
-              <a:t>1999–2015: Phase of digital data management, not intelligence.</a:t>
-            </a:r>
-          </a:p>
-          <a:p>
-            <a:r>
-              <a:t>CRM helped in organizing and tracking customer information.</a:t>
-            </a:r>
-          </a:p>
-          <a:p>
-            <a:r>
-              <a:t>Lacked automation and prediction capabilities.</a:t>
-            </a:r>
-          </a:p>
-          <a:p>
-            <a:r>
-              <a:t>These limitations led to the next phase — CRM + AI Era.</a:t>
+            <a:r>
+              <a:t>• Salesforce was founded in March 1999 in San Francisco, USA.</a:t>
+            </a:r>
+          </a:p>
+          <a:p/>
+          <a:p>
+            <a:r>
+              <a:t>• The main founder was **Marc Benioff**, a former Oracle executive known for his vision of delivering enterprise software via the Internet.</a:t>
+            </a:r>
+          </a:p>
+          <a:p/>
+          <a:p>
+            <a:r>
+              <a:t>• **Parker Harris** co-founded Salesforce and served as the chief technical architect.</a:t>
+            </a:r>
+          </a:p>
+          <a:p/>
+          <a:p>
+            <a:r>
+              <a:t>• The other two founding members were **Dave Moellenhoff** and **Frank Dominguez**.</a:t>
+            </a:r>
+          </a:p>
+          <a:p/>
+          <a:p>
+            <a:r>
+              <a:t>• Their goal was to replace traditional software installation with cloud-based, on-demand access — the idea that became Software as a Service (SaaS).</a:t>
             </a:r>
           </a:p>
         </p:txBody>
@@ -3284,7 +3248,7 @@
 </file>
 
 <file path=ppt/slides/slide2.xml><?xml version="1.0" encoding="utf-8"?>
-<p:sld xmlns:a="http://schemas.openxmlformats.org/drawingml/2006/main" xmlns:r="http://schemas.openxmlformats.org/officeDocument/2006/relationships" xmlns:p="http://schemas.openxmlformats.org/presentationml/2006/main">
+<p:sld xmlns:a="http://schemas.openxmlformats.org/drawingml/2006/main" xmlns:p="http://schemas.openxmlformats.org/presentationml/2006/main" xmlns:r="http://schemas.openxmlformats.org/officeDocument/2006/relationships">
   <p:cSld>
     <p:spTree>
       <p:nvGrpSpPr>
@@ -3292,14 +3256,7 @@
         <p:cNvGrpSpPr/>
         <p:nvPr/>
       </p:nvGrpSpPr>
-      <p:grpSpPr>
-        <a:xfrm>
-          <a:off x="0" y="0"/>
-          <a:ext cx="0" cy="0"/>
-          <a:chOff x="0" y="0"/>
-          <a:chExt cx="0" cy="0"/>
-        </a:xfrm>
-      </p:grpSpPr>
+      <p:grpSpPr/>
       <p:sp>
         <p:nvSpPr>
           <p:cNvPr id="2" name="Title 1"/>
@@ -3312,13 +3269,11 @@
         </p:nvSpPr>
         <p:spPr/>
         <p:txBody>
-          <a:bodyPr>
-            <a:normAutofit fontScale="90000"/>
-          </a:bodyPr>
-          <a:lstStyle/>
-          <a:p>
-            <a:r>
-              <a:t>Founders of Salesforce and the Beginning of Cloud CRM</a:t>
+          <a:bodyPr/>
+          <a:lstStyle/>
+          <a:p>
+            <a:r>
+              <a:t>What is CRM?</a:t>
             </a:r>
           </a:p>
         </p:txBody>
@@ -3335,45 +3290,22 @@
         </p:nvSpPr>
         <p:spPr/>
         <p:txBody>
-          <a:bodyPr>
-            <a:normAutofit fontScale="62500" lnSpcReduction="20000"/>
-          </a:bodyPr>
-          <a:lstStyle/>
-          <a:p>
-            <a:r>
-              <a:t>• Salesforce was founded in March 1999 in San Francisco, USA.</a:t>
-            </a:r>
-          </a:p>
-          <a:p>
-            <a:endParaRPr/>
-          </a:p>
-          <a:p>
-            <a:r>
-              <a:t>• The main founder was **Marc Benioff**, a former Oracle executive known for his vision of delivering enterprise software via the Internet.</a:t>
-            </a:r>
-          </a:p>
-          <a:p>
-            <a:endParaRPr/>
-          </a:p>
-          <a:p>
-            <a:r>
-              <a:t>• **Parker Harris** co-founded Salesforce and served as the chief technical architect.</a:t>
-            </a:r>
-          </a:p>
-          <a:p>
-            <a:endParaRPr/>
-          </a:p>
-          <a:p>
-            <a:r>
-              <a:t>• The other two founding members were **Dave Moellenhoff** and **Frank Dominguez**.</a:t>
-            </a:r>
-          </a:p>
-          <a:p>
-            <a:endParaRPr/>
-          </a:p>
-          <a:p>
-            <a:r>
-              <a:t>• Their goal was to replace traditional software installation with cloud-based, on-demand access — the idea that became Software as a Service (SaaS).</a:t>
+          <a:bodyPr/>
+          <a:lstStyle/>
+          <a:p/>
+          <a:p>
+            <a:r>
+              <a:t>CRM (Customer Relationship Management) helps organizations manage interactions with existing and potential customers.</a:t>
+            </a:r>
+          </a:p>
+          <a:p>
+            <a:r>
+              <a:t>It stores customer data, contact history, purchase records, and communication details.</a:t>
+            </a:r>
+          </a:p>
+          <a:p>
+            <a:r>
+              <a:t>Main goal: to improve customer service, increase sales, and enhance retention.</a:t>
             </a:r>
           </a:p>
         </p:txBody>
@@ -3387,7 +3319,7 @@
 </file>
 
 <file path=ppt/slides/slide3.xml><?xml version="1.0" encoding="utf-8"?>
-<p:sld xmlns:a="http://schemas.openxmlformats.org/drawingml/2006/main" xmlns:r="http://schemas.openxmlformats.org/officeDocument/2006/relationships" xmlns:p="http://schemas.openxmlformats.org/presentationml/2006/main">
+<p:sld xmlns:a="http://schemas.openxmlformats.org/drawingml/2006/main" xmlns:p="http://schemas.openxmlformats.org/presentationml/2006/main" xmlns:r="http://schemas.openxmlformats.org/officeDocument/2006/relationships">
   <p:cSld>
     <p:spTree>
       <p:nvGrpSpPr>
@@ -3395,14 +3327,7 @@
         <p:cNvGrpSpPr/>
         <p:nvPr/>
       </p:nvGrpSpPr>
-      <p:grpSpPr>
-        <a:xfrm>
-          <a:off x="0" y="0"/>
-          <a:ext cx="0" cy="0"/>
-          <a:chOff x="0" y="0"/>
-          <a:chExt cx="0" cy="0"/>
-        </a:xfrm>
-      </p:grpSpPr>
+      <p:grpSpPr/>
       <p:sp>
         <p:nvSpPr>
           <p:cNvPr id="2" name="Title 1"/>
@@ -3419,7 +3344,7 @@
           <a:lstStyle/>
           <a:p>
             <a:r>
-              <a:t>What is CRM?</a:t>
+              <a:t>Real-Life Example</a:t>
             </a:r>
           </a:p>
         </p:txBody>
@@ -3438,22 +3363,20 @@
         <p:txBody>
           <a:bodyPr/>
           <a:lstStyle/>
-          <a:p>
-            <a:endParaRPr/>
-          </a:p>
-          <a:p>
-            <a:r>
-              <a:t>CRM (Customer Relationship Management) helps organizations manage interactions with existing and potential customers.</a:t>
-            </a:r>
-          </a:p>
-          <a:p>
-            <a:r>
-              <a:t>It stores customer data, contact history, purchase records, and communication details.</a:t>
-            </a:r>
-          </a:p>
-          <a:p>
-            <a:r>
-              <a:t>Main goal: to improve customer service, increase sales, and enhance retention.</a:t>
+          <a:p/>
+          <a:p>
+            <a:r>
+              <a:t>Example: Wooden Street Store (Nagole, Hyderabad)</a:t>
+            </a:r>
+          </a:p>
+          <a:p>
+            <a:r>
+              <a:t>Sales executive using software to view customer details, product catalog, and stock details.</a:t>
+            </a:r>
+          </a:p>
+          <a:p>
+            <a:r>
+              <a:t>Shows how CRM simplifies customer tracking and business operations.</a:t>
             </a:r>
           </a:p>
         </p:txBody>
@@ -3467,7 +3390,7 @@
 </file>
 
 <file path=ppt/slides/slide4.xml><?xml version="1.0" encoding="utf-8"?>
-<p:sld xmlns:a="http://schemas.openxmlformats.org/drawingml/2006/main" xmlns:r="http://schemas.openxmlformats.org/officeDocument/2006/relationships" xmlns:p="http://schemas.openxmlformats.org/presentationml/2006/main">
+<p:sld xmlns:a="http://schemas.openxmlformats.org/drawingml/2006/main" xmlns:p="http://schemas.openxmlformats.org/presentationml/2006/main" xmlns:r="http://schemas.openxmlformats.org/officeDocument/2006/relationships">
   <p:cSld>
     <p:spTree>
       <p:nvGrpSpPr>
@@ -3475,14 +3398,7 @@
         <p:cNvGrpSpPr/>
         <p:nvPr/>
       </p:nvGrpSpPr>
-      <p:grpSpPr>
-        <a:xfrm>
-          <a:off x="0" y="0"/>
-          <a:ext cx="0" cy="0"/>
-          <a:chOff x="0" y="0"/>
-          <a:chExt cx="0" cy="0"/>
-        </a:xfrm>
-      </p:grpSpPr>
+      <p:grpSpPr/>
       <p:sp>
         <p:nvSpPr>
           <p:cNvPr id="2" name="Title 1"/>
@@ -3499,7 +3415,7 @@
           <a:lstStyle/>
           <a:p>
             <a:r>
-              <a:t>Real-Life Example</a:t>
+              <a:t>Need for CRM</a:t>
             </a:r>
           </a:p>
         </p:txBody>
@@ -3518,22 +3434,20 @@
         <p:txBody>
           <a:bodyPr/>
           <a:lstStyle/>
-          <a:p>
-            <a:endParaRPr/>
-          </a:p>
-          <a:p>
-            <a:r>
-              <a:t>Example: Wooden Street Store (Nagole, Hyderabad)</a:t>
-            </a:r>
-          </a:p>
-          <a:p>
-            <a:r>
-              <a:t>Sales executive using software to view customer details, product catalog, and stock details.</a:t>
-            </a:r>
-          </a:p>
-          <a:p>
-            <a:r>
-              <a:t>Shows how CRM simplifies customer tracking and business operations.</a:t>
+          <a:p/>
+          <a:p>
+            <a:r>
+              <a:t>Before CRM, data was spread across notebooks, Excel sheets, emails, and laptops.</a:t>
+            </a:r>
+          </a:p>
+          <a:p>
+            <a:r>
+              <a:t>Hard to manage or share data between teams.</a:t>
+            </a:r>
+          </a:p>
+          <a:p>
+            <a:r>
+              <a:t>CRM centralized everything — improving coordination, accuracy, and decision-making.</a:t>
             </a:r>
           </a:p>
         </p:txBody>
@@ -3547,7 +3461,7 @@
 </file>
 
 <file path=ppt/slides/slide5.xml><?xml version="1.0" encoding="utf-8"?>
-<p:sld xmlns:a="http://schemas.openxmlformats.org/drawingml/2006/main" xmlns:r="http://schemas.openxmlformats.org/officeDocument/2006/relationships" xmlns:p="http://schemas.openxmlformats.org/presentationml/2006/main">
+<p:sld xmlns:a="http://schemas.openxmlformats.org/drawingml/2006/main" xmlns:p="http://schemas.openxmlformats.org/presentationml/2006/main" xmlns:r="http://schemas.openxmlformats.org/officeDocument/2006/relationships">
   <p:cSld>
     <p:spTree>
       <p:nvGrpSpPr>
@@ -3555,14 +3469,7 @@
         <p:cNvGrpSpPr/>
         <p:nvPr/>
       </p:nvGrpSpPr>
-      <p:grpSpPr>
-        <a:xfrm>
-          <a:off x="0" y="0"/>
-          <a:ext cx="0" cy="0"/>
-          <a:chOff x="0" y="0"/>
-          <a:chExt cx="0" cy="0"/>
-        </a:xfrm>
-      </p:grpSpPr>
+      <p:grpSpPr/>
       <p:sp>
         <p:nvSpPr>
           <p:cNvPr id="2" name="Title 1"/>
@@ -3579,7 +3486,7 @@
           <a:lstStyle/>
           <a:p>
             <a:r>
-              <a:t>Need for CRM</a:t>
+              <a:t>Features of CRM (1999–2015 Era)</a:t>
             </a:r>
           </a:p>
         </p:txBody>
@@ -3598,22 +3505,35 @@
         <p:txBody>
           <a:bodyPr/>
           <a:lstStyle/>
-          <a:p>
-            <a:endParaRPr/>
-          </a:p>
-          <a:p>
-            <a:r>
-              <a:t>Before CRM, data was spread across notebooks, Excel sheets, emails, and laptops.</a:t>
-            </a:r>
-          </a:p>
-          <a:p>
-            <a:r>
-              <a:t>Hard to manage or share data between teams.</a:t>
-            </a:r>
-          </a:p>
-          <a:p>
-            <a:r>
-              <a:t>CRM centralized everything — improving coordination, accuracy, and decision-making.</a:t>
+          <a:p/>
+          <a:p>
+            <a:r>
+              <a:t>Centralized Data: All company data stored in one system.</a:t>
+            </a:r>
+          </a:p>
+          <a:p>
+            <a:r>
+              <a:t>Manual Data Entry: Customer info entered manually.</a:t>
+            </a:r>
+          </a:p>
+          <a:p>
+            <a:r>
+              <a:t>Human Forecasting: Relied on human judgment.</a:t>
+            </a:r>
+          </a:p>
+          <a:p>
+            <a:r>
+              <a:t>Cloud Access: Accessible from anywhere with credentials.</a:t>
+            </a:r>
+          </a:p>
+          <a:p>
+            <a:r>
+              <a:t>Subscription Model: Monthly payments replaced heavy license fees.</a:t>
+            </a:r>
+          </a:p>
+          <a:p>
+            <a:r>
+              <a:t>Scalability &amp; Fault Tolerance: Easy growth and fast recovery after failures.</a:t>
             </a:r>
           </a:p>
         </p:txBody>
@@ -3627,7 +3547,7 @@
 </file>
 
 <file path=ppt/slides/slide6.xml><?xml version="1.0" encoding="utf-8"?>
-<p:sld xmlns:a="http://schemas.openxmlformats.org/drawingml/2006/main" xmlns:r="http://schemas.openxmlformats.org/officeDocument/2006/relationships" xmlns:p="http://schemas.openxmlformats.org/presentationml/2006/main">
+<p:sld xmlns:a="http://schemas.openxmlformats.org/drawingml/2006/main" xmlns:p="http://schemas.openxmlformats.org/presentationml/2006/main" xmlns:r="http://schemas.openxmlformats.org/officeDocument/2006/relationships">
   <p:cSld>
     <p:spTree>
       <p:nvGrpSpPr>
@@ -3635,14 +3555,7 @@
         <p:cNvGrpSpPr/>
         <p:nvPr/>
       </p:nvGrpSpPr>
-      <p:grpSpPr>
-        <a:xfrm>
-          <a:off x="0" y="0"/>
-          <a:ext cx="0" cy="0"/>
-          <a:chOff x="0" y="0"/>
-          <a:chExt cx="0" cy="0"/>
-        </a:xfrm>
-      </p:grpSpPr>
+      <p:grpSpPr/>
       <p:sp>
         <p:nvSpPr>
           <p:cNvPr id="2" name="Title 1"/>
@@ -3659,7 +3572,7 @@
           <a:lstStyle/>
           <a:p>
             <a:r>
-              <a:t>Features of CRM (1999–2015 Era)</a:t>
+              <a:t>Additional CRM Features (Pre-AI Era)</a:t>
             </a:r>
           </a:p>
         </p:txBody>
@@ -3676,41 +3589,42 @@
         </p:nvSpPr>
         <p:spPr/>
         <p:txBody>
-          <a:bodyPr>
-            <a:normAutofit fontScale="85000" lnSpcReduction="20000"/>
-          </a:bodyPr>
-          <a:lstStyle/>
-          <a:p>
-            <a:endParaRPr/>
-          </a:p>
-          <a:p>
-            <a:r>
-              <a:t>Centralized Data: All company data stored in one system.</a:t>
-            </a:r>
-          </a:p>
-          <a:p>
-            <a:r>
-              <a:t>Manual Data Entry: Customer info entered manually.</a:t>
-            </a:r>
-          </a:p>
-          <a:p>
-            <a:r>
-              <a:t>Human Forecasting: Relied on human judgment.</a:t>
-            </a:r>
-          </a:p>
-          <a:p>
-            <a:r>
-              <a:t>Cloud Access: Accessible from anywhere with credentials.</a:t>
-            </a:r>
-          </a:p>
-          <a:p>
-            <a:r>
-              <a:t>Subscription Model: Monthly payments replaced heavy license fees.</a:t>
-            </a:r>
-          </a:p>
-          <a:p>
-            <a:r>
-              <a:t>Scalability &amp; Fault Tolerance: Easy growth and fast recovery after failures.</a:t>
+          <a:bodyPr/>
+          <a:lstStyle/>
+          <a:p/>
+          <a:p>
+            <a:r>
+              <a:t>Communication Tracking: Stored all calls, emails, meetings.</a:t>
+            </a:r>
+          </a:p>
+          <a:p>
+            <a:r>
+              <a:t>Lead Management: Helped track potential customers.</a:t>
+            </a:r>
+          </a:p>
+          <a:p>
+            <a:r>
+              <a:t>Reporting &amp; Dashboards: Manual reports on sales and growth.</a:t>
+            </a:r>
+          </a:p>
+          <a:p>
+            <a:r>
+              <a:t>Email Integration: Promotional emails and newsletters.</a:t>
+            </a:r>
+          </a:p>
+          <a:p>
+            <a:r>
+              <a:t>Role-Based Access: Different access levels for staff and managers.</a:t>
+            </a:r>
+          </a:p>
+          <a:p>
+            <a:r>
+              <a:t>Customer Support Module: Managed service tickets and complaints.</a:t>
+            </a:r>
+          </a:p>
+          <a:p>
+            <a:r>
+              <a:t>Mobile Access (2013–2015): CRM apps for smartphones.</a:t>
             </a:r>
           </a:p>
         </p:txBody>
@@ -3724,7 +3638,7 @@
 </file>
 
 <file path=ppt/slides/slide7.xml><?xml version="1.0" encoding="utf-8"?>
-<p:sld xmlns:a="http://schemas.openxmlformats.org/drawingml/2006/main" xmlns:r="http://schemas.openxmlformats.org/officeDocument/2006/relationships" xmlns:p="http://schemas.openxmlformats.org/presentationml/2006/main">
+<p:sld xmlns:a="http://schemas.openxmlformats.org/drawingml/2006/main" xmlns:p="http://schemas.openxmlformats.org/presentationml/2006/main" xmlns:r="http://schemas.openxmlformats.org/officeDocument/2006/relationships">
   <p:cSld>
     <p:spTree>
       <p:nvGrpSpPr>
@@ -3732,14 +3646,7 @@
         <p:cNvGrpSpPr/>
         <p:nvPr/>
       </p:nvGrpSpPr>
-      <p:grpSpPr>
-        <a:xfrm>
-          <a:off x="0" y="0"/>
-          <a:ext cx="0" cy="0"/>
-          <a:chOff x="0" y="0"/>
-          <a:chExt cx="0" cy="0"/>
-        </a:xfrm>
-      </p:grpSpPr>
+      <p:grpSpPr/>
       <p:sp>
         <p:nvSpPr>
           <p:cNvPr id="2" name="Title 1"/>
@@ -3752,13 +3659,11 @@
         </p:nvSpPr>
         <p:spPr/>
         <p:txBody>
-          <a:bodyPr>
-            <a:normAutofit fontScale="90000"/>
-          </a:bodyPr>
-          <a:lstStyle/>
-          <a:p>
-            <a:r>
-              <a:t>Additional CRM Features (Pre-AI Era)</a:t>
+          <a:bodyPr/>
+          <a:lstStyle/>
+          <a:p>
+            <a:r>
+              <a:t>Advantages of CRM (Pre-AI)</a:t>
             </a:r>
           </a:p>
         </p:txBody>
@@ -3775,46 +3680,32 @@
         </p:nvSpPr>
         <p:spPr/>
         <p:txBody>
-          <a:bodyPr>
-            <a:normAutofit fontScale="77500" lnSpcReduction="20000"/>
-          </a:bodyPr>
-          <a:lstStyle/>
-          <a:p>
-            <a:endParaRPr/>
-          </a:p>
-          <a:p>
-            <a:r>
-              <a:t>Communication Tracking: Stored all calls, emails, meetings.</a:t>
-            </a:r>
-          </a:p>
-          <a:p>
-            <a:r>
-              <a:t>Lead Management: Helped track potential customers.</a:t>
-            </a:r>
-          </a:p>
-          <a:p>
-            <a:r>
-              <a:t>Reporting &amp; Dashboards: Manual reports on sales and growth.</a:t>
-            </a:r>
-          </a:p>
-          <a:p>
-            <a:r>
-              <a:t>Email Integration: Promotional emails and newsletters.</a:t>
-            </a:r>
-          </a:p>
-          <a:p>
-            <a:r>
-              <a:t>Role-Based Access: Different access levels for staff and managers.</a:t>
-            </a:r>
-          </a:p>
-          <a:p>
-            <a:r>
-              <a:t>Customer Support Module: Managed service tickets and complaints.</a:t>
-            </a:r>
-          </a:p>
-          <a:p>
-            <a:r>
-              <a:t>Mobile Access (2013–2015): CRM apps for smartphones.</a:t>
+          <a:bodyPr/>
+          <a:lstStyle/>
+          <a:p/>
+          <a:p>
+            <a:r>
+              <a:t>Improved data organization and collaboration.</a:t>
+            </a:r>
+          </a:p>
+          <a:p>
+            <a:r>
+              <a:t>Easy access to customer history.</a:t>
+            </a:r>
+          </a:p>
+          <a:p>
+            <a:r>
+              <a:t>Reduced paperwork and duplication.</a:t>
+            </a:r>
+          </a:p>
+          <a:p>
+            <a:r>
+              <a:t>Better coordination between teams and branches.</a:t>
+            </a:r>
+          </a:p>
+          <a:p>
+            <a:r>
+              <a:t>Flexible and scalable cloud infrastructure.</a:t>
             </a:r>
           </a:p>
         </p:txBody>
@@ -3828,7 +3719,7 @@
 </file>
 
 <file path=ppt/slides/slide8.xml><?xml version="1.0" encoding="utf-8"?>
-<p:sld xmlns:a="http://schemas.openxmlformats.org/drawingml/2006/main" xmlns:r="http://schemas.openxmlformats.org/officeDocument/2006/relationships" xmlns:p="http://schemas.openxmlformats.org/presentationml/2006/main">
+<p:sld xmlns:a="http://schemas.openxmlformats.org/drawingml/2006/main" xmlns:p="http://schemas.openxmlformats.org/presentationml/2006/main" xmlns:r="http://schemas.openxmlformats.org/officeDocument/2006/relationships">
   <p:cSld>
     <p:spTree>
       <p:nvGrpSpPr>
@@ -3836,14 +3727,7 @@
         <p:cNvGrpSpPr/>
         <p:nvPr/>
       </p:nvGrpSpPr>
-      <p:grpSpPr>
-        <a:xfrm>
-          <a:off x="0" y="0"/>
-          <a:ext cx="0" cy="0"/>
-          <a:chOff x="0" y="0"/>
-          <a:chExt cx="0" cy="0"/>
-        </a:xfrm>
-      </p:grpSpPr>
+      <p:grpSpPr/>
       <p:sp>
         <p:nvSpPr>
           <p:cNvPr id="2" name="Title 1"/>
@@ -3860,7 +3744,7 @@
           <a:lstStyle/>
           <a:p>
             <a:r>
-              <a:t>Advantages of CRM (Pre-AI)</a:t>
+              <a:t>Limitations / Challenges of CRM (Pre-AI)</a:t>
             </a:r>
           </a:p>
         </p:txBody>
@@ -3879,32 +3763,30 @@
         <p:txBody>
           <a:bodyPr/>
           <a:lstStyle/>
-          <a:p>
-            <a:endParaRPr/>
-          </a:p>
-          <a:p>
-            <a:r>
-              <a:t>Improved data organization and collaboration.</a:t>
-            </a:r>
-          </a:p>
-          <a:p>
-            <a:r>
-              <a:t>Easy access to customer history.</a:t>
-            </a:r>
-          </a:p>
-          <a:p>
-            <a:r>
-              <a:t>Reduced paperwork and duplication.</a:t>
-            </a:r>
-          </a:p>
-          <a:p>
-            <a:r>
-              <a:t>Better coordination between teams and branches.</a:t>
-            </a:r>
-          </a:p>
-          <a:p>
-            <a:r>
-              <a:t>Flexible and scalable cloud infrastructure.</a:t>
+          <a:p/>
+          <a:p>
+            <a:r>
+              <a:t>Manual data entry was time-consuming.</a:t>
+            </a:r>
+          </a:p>
+          <a:p>
+            <a:r>
+              <a:t>Forecasting required human intuition.</a:t>
+            </a:r>
+          </a:p>
+          <a:p>
+            <a:r>
+              <a:t>High dependency on internet.</a:t>
+            </a:r>
+          </a:p>
+          <a:p>
+            <a:r>
+              <a:t>Subscription costs increased with advanced features.</a:t>
+            </a:r>
+          </a:p>
+          <a:p>
+            <a:r>
+              <a:t>Could not predict customer behavior or analyze emotions.</a:t>
             </a:r>
           </a:p>
         </p:txBody>
@@ -3918,7 +3800,7 @@
 </file>
 
 <file path=ppt/slides/slide9.xml><?xml version="1.0" encoding="utf-8"?>
-<p:sld xmlns:a="http://schemas.openxmlformats.org/drawingml/2006/main" xmlns:r="http://schemas.openxmlformats.org/officeDocument/2006/relationships" xmlns:p="http://schemas.openxmlformats.org/presentationml/2006/main">
+<p:sld xmlns:a="http://schemas.openxmlformats.org/drawingml/2006/main" xmlns:p="http://schemas.openxmlformats.org/presentationml/2006/main" xmlns:r="http://schemas.openxmlformats.org/officeDocument/2006/relationships">
   <p:cSld>
     <p:spTree>
       <p:nvGrpSpPr>
@@ -3926,14 +3808,7 @@
         <p:cNvGrpSpPr/>
         <p:nvPr/>
       </p:nvGrpSpPr>
-      <p:grpSpPr>
-        <a:xfrm>
-          <a:off x="0" y="0"/>
-          <a:ext cx="0" cy="0"/>
-          <a:chOff x="0" y="0"/>
-          <a:chExt cx="0" cy="0"/>
-        </a:xfrm>
-      </p:grpSpPr>
+      <p:grpSpPr/>
       <p:sp>
         <p:nvSpPr>
           <p:cNvPr id="2" name="Title 1"/>
@@ -3946,13 +3821,11 @@
         </p:nvSpPr>
         <p:spPr/>
         <p:txBody>
-          <a:bodyPr>
-            <a:normAutofit fontScale="90000"/>
-          </a:bodyPr>
-          <a:lstStyle/>
-          <a:p>
-            <a:r>
-              <a:t>Limitations / Challenges of CRM (Pre-AI)</a:t>
+          <a:bodyPr/>
+          <a:lstStyle/>
+          <a:p>
+            <a:r>
+              <a:t>Summary of the CRM Era</a:t>
             </a:r>
           </a:p>
         </p:txBody>
@@ -3971,32 +3844,25 @@
         <p:txBody>
           <a:bodyPr/>
           <a:lstStyle/>
-          <a:p>
-            <a:endParaRPr/>
-          </a:p>
-          <a:p>
-            <a:r>
-              <a:t>Manual data entry was time-consuming.</a:t>
-            </a:r>
-          </a:p>
-          <a:p>
-            <a:r>
-              <a:t>Forecasting required human intuition.</a:t>
-            </a:r>
-          </a:p>
-          <a:p>
-            <a:r>
-              <a:t>High dependency on internet.</a:t>
-            </a:r>
-          </a:p>
-          <a:p>
-            <a:r>
-              <a:t>Subscription costs increased with advanced features.</a:t>
-            </a:r>
-          </a:p>
-          <a:p>
-            <a:r>
-              <a:t>Could not predict customer behavior or analyze emotions.</a:t>
+          <a:p/>
+          <a:p>
+            <a:r>
+              <a:t>1999–2015: Phase of digital data management, not intelligence.</a:t>
+            </a:r>
+          </a:p>
+          <a:p>
+            <a:r>
+              <a:t>CRM helped in organizing and tracking customer information.</a:t>
+            </a:r>
+          </a:p>
+          <a:p>
+            <a:r>
+              <a:t>Lacked automation and prediction capabilities.</a:t>
+            </a:r>
+          </a:p>
+          <a:p>
+            <a:r>
+              <a:t>These limitations led to the next phase — CRM + AI Era.</a:t>
             </a:r>
           </a:p>
         </p:txBody>
